--- a/leaf_energy_balance/fig 3_ppt.pptx
+++ b/leaf_energy_balance/fig 3_ppt.pptx
@@ -107,6 +107,11 @@
       </a:defRPr>
     </a:lvl9pPr>
   </p:defaultTextStyle>
+  <p:extLst>
+    <p:ext uri="{EFAFB233-063F-42B5-8137-9DF3F51BA10A}">
+      <p15:sldGuideLst xmlns:p15="http://schemas.microsoft.com/office/powerpoint/2012/main"/>
+    </p:ext>
+  </p:extLst>
 </p:presentation>
 </file>
 
@@ -192,7 +197,7 @@
           <a:p>
             <a:fld id="{0D48C9FA-DCBB-D943-A4F9-F89BC02D8ABB}" type="datetimeFigureOut">
               <a:rPr lang="en-US" smtClean="0"/>
-              <a:t>6/18/22</a:t>
+              <a:t>6/19/22</a:t>
             </a:fld>
             <a:endParaRPr lang="en-US"/>
           </a:p>
@@ -690,7 +695,7 @@
           <a:p>
             <a:fld id="{FF737DD5-134B-6447-B4DA-152AD16113C5}" type="datetimeFigureOut">
               <a:rPr lang="en-US" smtClean="0"/>
-              <a:t>6/18/22</a:t>
+              <a:t>6/19/22</a:t>
             </a:fld>
             <a:endParaRPr lang="en-US"/>
           </a:p>
@@ -888,7 +893,7 @@
           <a:p>
             <a:fld id="{FF737DD5-134B-6447-B4DA-152AD16113C5}" type="datetimeFigureOut">
               <a:rPr lang="en-US" smtClean="0"/>
-              <a:t>6/18/22</a:t>
+              <a:t>6/19/22</a:t>
             </a:fld>
             <a:endParaRPr lang="en-US"/>
           </a:p>
@@ -1096,7 +1101,7 @@
           <a:p>
             <a:fld id="{FF737DD5-134B-6447-B4DA-152AD16113C5}" type="datetimeFigureOut">
               <a:rPr lang="en-US" smtClean="0"/>
-              <a:t>6/18/22</a:t>
+              <a:t>6/19/22</a:t>
             </a:fld>
             <a:endParaRPr lang="en-US"/>
           </a:p>
@@ -1294,7 +1299,7 @@
           <a:p>
             <a:fld id="{FF737DD5-134B-6447-B4DA-152AD16113C5}" type="datetimeFigureOut">
               <a:rPr lang="en-US" smtClean="0"/>
-              <a:t>6/18/22</a:t>
+              <a:t>6/19/22</a:t>
             </a:fld>
             <a:endParaRPr lang="en-US"/>
           </a:p>
@@ -1569,7 +1574,7 @@
           <a:p>
             <a:fld id="{FF737DD5-134B-6447-B4DA-152AD16113C5}" type="datetimeFigureOut">
               <a:rPr lang="en-US" smtClean="0"/>
-              <a:t>6/18/22</a:t>
+              <a:t>6/19/22</a:t>
             </a:fld>
             <a:endParaRPr lang="en-US"/>
           </a:p>
@@ -1834,7 +1839,7 @@
           <a:p>
             <a:fld id="{FF737DD5-134B-6447-B4DA-152AD16113C5}" type="datetimeFigureOut">
               <a:rPr lang="en-US" smtClean="0"/>
-              <a:t>6/18/22</a:t>
+              <a:t>6/19/22</a:t>
             </a:fld>
             <a:endParaRPr lang="en-US"/>
           </a:p>
@@ -2246,7 +2251,7 @@
           <a:p>
             <a:fld id="{FF737DD5-134B-6447-B4DA-152AD16113C5}" type="datetimeFigureOut">
               <a:rPr lang="en-US" smtClean="0"/>
-              <a:t>6/18/22</a:t>
+              <a:t>6/19/22</a:t>
             </a:fld>
             <a:endParaRPr lang="en-US"/>
           </a:p>
@@ -2387,7 +2392,7 @@
           <a:p>
             <a:fld id="{FF737DD5-134B-6447-B4DA-152AD16113C5}" type="datetimeFigureOut">
               <a:rPr lang="en-US" smtClean="0"/>
-              <a:t>6/18/22</a:t>
+              <a:t>6/19/22</a:t>
             </a:fld>
             <a:endParaRPr lang="en-US"/>
           </a:p>
@@ -2500,7 +2505,7 @@
           <a:p>
             <a:fld id="{FF737DD5-134B-6447-B4DA-152AD16113C5}" type="datetimeFigureOut">
               <a:rPr lang="en-US" smtClean="0"/>
-              <a:t>6/18/22</a:t>
+              <a:t>6/19/22</a:t>
             </a:fld>
             <a:endParaRPr lang="en-US"/>
           </a:p>
@@ -2811,7 +2816,7 @@
           <a:p>
             <a:fld id="{FF737DD5-134B-6447-B4DA-152AD16113C5}" type="datetimeFigureOut">
               <a:rPr lang="en-US" smtClean="0"/>
-              <a:t>6/18/22</a:t>
+              <a:t>6/19/22</a:t>
             </a:fld>
             <a:endParaRPr lang="en-US"/>
           </a:p>
@@ -3099,7 +3104,7 @@
           <a:p>
             <a:fld id="{FF737DD5-134B-6447-B4DA-152AD16113C5}" type="datetimeFigureOut">
               <a:rPr lang="en-US" smtClean="0"/>
-              <a:t>6/18/22</a:t>
+              <a:t>6/19/22</a:t>
             </a:fld>
             <a:endParaRPr lang="en-US"/>
           </a:p>
@@ -3340,7 +3345,7 @@
           <a:p>
             <a:fld id="{FF737DD5-134B-6447-B4DA-152AD16113C5}" type="datetimeFigureOut">
               <a:rPr lang="en-US" smtClean="0"/>
-              <a:t>6/18/22</a:t>
+              <a:t>6/19/22</a:t>
             </a:fld>
             <a:endParaRPr lang="en-US"/>
           </a:p>
@@ -3978,6 +3983,194 @@
               </a:rPr>
               <a:t>air</a:t>
             </a:r>
+          </a:p>
+        </p:txBody>
+      </p:sp>
+      <p:sp>
+        <p:nvSpPr>
+          <p:cNvPr id="2" name="Rectangle 1">
+            <a:extLst>
+              <a:ext uri="{FF2B5EF4-FFF2-40B4-BE49-F238E27FC236}">
+                <a16:creationId xmlns:a16="http://schemas.microsoft.com/office/drawing/2014/main" id="{1D5BFE88-BF29-9F3C-869D-E71FC4B11112}"/>
+              </a:ext>
+            </a:extLst>
+          </p:cNvPr>
+          <p:cNvSpPr/>
+          <p:nvPr/>
+        </p:nvSpPr>
+        <p:spPr>
+          <a:xfrm>
+            <a:off x="8574657" y="4937760"/>
+            <a:ext cx="270405" cy="118872"/>
+          </a:xfrm>
+          <a:prstGeom prst="rect">
+            <a:avLst/>
+          </a:prstGeom>
+          <a:solidFill>
+            <a:srgbClr val="B5CBE5"/>
+          </a:solidFill>
+          <a:ln>
+            <a:noFill/>
+          </a:ln>
+        </p:spPr>
+        <p:style>
+          <a:lnRef idx="2">
+            <a:schemeClr val="accent1">
+              <a:shade val="50000"/>
+            </a:schemeClr>
+          </a:lnRef>
+          <a:fillRef idx="1">
+            <a:schemeClr val="accent1"/>
+          </a:fillRef>
+          <a:effectRef idx="0">
+            <a:schemeClr val="accent1"/>
+          </a:effectRef>
+          <a:fontRef idx="minor">
+            <a:schemeClr val="lt1"/>
+          </a:fontRef>
+        </p:style>
+        <p:txBody>
+          <a:bodyPr rtlCol="0" anchor="ctr"/>
+          <a:lstStyle/>
+          <a:p>
+            <a:pPr algn="ctr"/>
+            <a:endParaRPr lang="en-US"/>
+          </a:p>
+        </p:txBody>
+      </p:sp>
+      <p:sp>
+        <p:nvSpPr>
+          <p:cNvPr id="10" name="TextBox 9">
+            <a:extLst>
+              <a:ext uri="{FF2B5EF4-FFF2-40B4-BE49-F238E27FC236}">
+                <a16:creationId xmlns:a16="http://schemas.microsoft.com/office/drawing/2014/main" id="{9926B021-895D-2D93-0B9A-5FA6E22398F5}"/>
+              </a:ext>
+            </a:extLst>
+          </p:cNvPr>
+          <p:cNvSpPr txBox="1"/>
+          <p:nvPr/>
+        </p:nvSpPr>
+        <p:spPr>
+          <a:xfrm>
+            <a:off x="8539057" y="4862168"/>
+            <a:ext cx="529778" cy="261610"/>
+          </a:xfrm>
+          <a:prstGeom prst="rect">
+            <a:avLst/>
+          </a:prstGeom>
+          <a:noFill/>
+        </p:spPr>
+        <p:txBody>
+          <a:bodyPr wrap="square" rtlCol="0">
+            <a:spAutoFit/>
+          </a:bodyPr>
+          <a:lstStyle/>
+          <a:p>
+            <a:r>
+              <a:rPr lang="en-US" sz="1100" dirty="0">
+                <a:latin typeface="Arial" panose="020B0604020202020204" pitchFamily="34" charset="0"/>
+                <a:cs typeface="Arial" panose="020B0604020202020204" pitchFamily="34" charset="0"/>
+              </a:rPr>
+              <a:t>RH</a:t>
+            </a:r>
+            <a:endParaRPr lang="en-US" sz="1100" baseline="-25000" dirty="0">
+              <a:latin typeface="Arial" panose="020B0604020202020204" pitchFamily="34" charset="0"/>
+              <a:cs typeface="Arial" panose="020B0604020202020204" pitchFamily="34" charset="0"/>
+            </a:endParaRPr>
+          </a:p>
+        </p:txBody>
+      </p:sp>
+      <p:sp>
+        <p:nvSpPr>
+          <p:cNvPr id="3" name="Rectangle 2">
+            <a:extLst>
+              <a:ext uri="{FF2B5EF4-FFF2-40B4-BE49-F238E27FC236}">
+                <a16:creationId xmlns:a16="http://schemas.microsoft.com/office/drawing/2014/main" id="{43757A46-69D9-F78F-79B7-8B39CE061B5A}"/>
+              </a:ext>
+            </a:extLst>
+          </p:cNvPr>
+          <p:cNvSpPr/>
+          <p:nvPr/>
+        </p:nvSpPr>
+        <p:spPr>
+          <a:xfrm>
+            <a:off x="10790206" y="3090672"/>
+            <a:ext cx="383761" cy="261610"/>
+          </a:xfrm>
+          <a:prstGeom prst="rect">
+            <a:avLst/>
+          </a:prstGeom>
+          <a:solidFill>
+            <a:schemeClr val="bg1"/>
+          </a:solidFill>
+          <a:ln>
+            <a:noFill/>
+          </a:ln>
+        </p:spPr>
+        <p:style>
+          <a:lnRef idx="2">
+            <a:schemeClr val="accent1">
+              <a:shade val="50000"/>
+            </a:schemeClr>
+          </a:lnRef>
+          <a:fillRef idx="1">
+            <a:schemeClr val="accent1"/>
+          </a:fillRef>
+          <a:effectRef idx="0">
+            <a:schemeClr val="accent1"/>
+          </a:effectRef>
+          <a:fontRef idx="minor">
+            <a:schemeClr val="lt1"/>
+          </a:fontRef>
+        </p:style>
+        <p:txBody>
+          <a:bodyPr rtlCol="0" anchor="ctr"/>
+          <a:lstStyle/>
+          <a:p>
+            <a:pPr algn="ctr"/>
+            <a:endParaRPr lang="en-US"/>
+          </a:p>
+        </p:txBody>
+      </p:sp>
+      <p:sp>
+        <p:nvSpPr>
+          <p:cNvPr id="11" name="TextBox 10">
+            <a:extLst>
+              <a:ext uri="{FF2B5EF4-FFF2-40B4-BE49-F238E27FC236}">
+                <a16:creationId xmlns:a16="http://schemas.microsoft.com/office/drawing/2014/main" id="{8D6A4FB5-6BE1-FA71-C875-2E231348E827}"/>
+              </a:ext>
+            </a:extLst>
+          </p:cNvPr>
+          <p:cNvSpPr txBox="1"/>
+          <p:nvPr/>
+        </p:nvSpPr>
+        <p:spPr>
+          <a:xfrm>
+            <a:off x="10726197" y="3044505"/>
+            <a:ext cx="584930" cy="307777"/>
+          </a:xfrm>
+          <a:prstGeom prst="rect">
+            <a:avLst/>
+          </a:prstGeom>
+          <a:noFill/>
+        </p:spPr>
+        <p:txBody>
+          <a:bodyPr wrap="square" rtlCol="0">
+            <a:spAutoFit/>
+          </a:bodyPr>
+          <a:lstStyle/>
+          <a:p>
+            <a:r>
+              <a:rPr lang="en-US" sz="1400" dirty="0">
+                <a:latin typeface="Arial" panose="020B0604020202020204" pitchFamily="34" charset="0"/>
+                <a:cs typeface="Arial" panose="020B0604020202020204" pitchFamily="34" charset="0"/>
+              </a:rPr>
+              <a:t>(RH)</a:t>
+            </a:r>
+            <a:endParaRPr lang="en-US" sz="1400" baseline="-25000" dirty="0">
+              <a:latin typeface="Arial" panose="020B0604020202020204" pitchFamily="34" charset="0"/>
+              <a:cs typeface="Arial" panose="020B0604020202020204" pitchFamily="34" charset="0"/>
+            </a:endParaRPr>
           </a:p>
         </p:txBody>
       </p:sp>
